--- a/Презентация.pptx
+++ b/Презентация.pptx
@@ -111,6 +111,11 @@
       </a:defRPr>
     </a:lvl9pPr>
   </p:defaultTextStyle>
+  <p:extLst>
+    <p:ext uri="{EFAFB233-063F-42B5-8137-9DF3F51BA10A}">
+      <p15:sldGuideLst xmlns:p15="http://schemas.microsoft.com/office/powerpoint/2012/main"/>
+    </p:ext>
+  </p:extLst>
 </p:presentation>
 </file>
 
@@ -245,7 +250,7 @@
           <a:p>
             <a:fld id="{AE29DEF7-9722-4ABE-8BB7-21F028C1177F}" type="datetimeFigureOut">
               <a:rPr lang="ru-RU" smtClean="0"/>
-              <a:t>21.01.2022</a:t>
+              <a:t>25.01.2022</a:t>
             </a:fld>
             <a:endParaRPr lang="ru-RU"/>
           </a:p>
@@ -415,7 +420,7 @@
           <a:p>
             <a:fld id="{AE29DEF7-9722-4ABE-8BB7-21F028C1177F}" type="datetimeFigureOut">
               <a:rPr lang="ru-RU" smtClean="0"/>
-              <a:t>21.01.2022</a:t>
+              <a:t>25.01.2022</a:t>
             </a:fld>
             <a:endParaRPr lang="ru-RU"/>
           </a:p>
@@ -595,7 +600,7 @@
           <a:p>
             <a:fld id="{AE29DEF7-9722-4ABE-8BB7-21F028C1177F}" type="datetimeFigureOut">
               <a:rPr lang="ru-RU" smtClean="0"/>
-              <a:t>21.01.2022</a:t>
+              <a:t>25.01.2022</a:t>
             </a:fld>
             <a:endParaRPr lang="ru-RU"/>
           </a:p>
@@ -765,7 +770,7 @@
           <a:p>
             <a:fld id="{AE29DEF7-9722-4ABE-8BB7-21F028C1177F}" type="datetimeFigureOut">
               <a:rPr lang="ru-RU" smtClean="0"/>
-              <a:t>21.01.2022</a:t>
+              <a:t>25.01.2022</a:t>
             </a:fld>
             <a:endParaRPr lang="ru-RU"/>
           </a:p>
@@ -1011,7 +1016,7 @@
           <a:p>
             <a:fld id="{AE29DEF7-9722-4ABE-8BB7-21F028C1177F}" type="datetimeFigureOut">
               <a:rPr lang="ru-RU" smtClean="0"/>
-              <a:t>21.01.2022</a:t>
+              <a:t>25.01.2022</a:t>
             </a:fld>
             <a:endParaRPr lang="ru-RU"/>
           </a:p>
@@ -1243,7 +1248,7 @@
           <a:p>
             <a:fld id="{AE29DEF7-9722-4ABE-8BB7-21F028C1177F}" type="datetimeFigureOut">
               <a:rPr lang="ru-RU" smtClean="0"/>
-              <a:t>21.01.2022</a:t>
+              <a:t>25.01.2022</a:t>
             </a:fld>
             <a:endParaRPr lang="ru-RU"/>
           </a:p>
@@ -1610,7 +1615,7 @@
           <a:p>
             <a:fld id="{AE29DEF7-9722-4ABE-8BB7-21F028C1177F}" type="datetimeFigureOut">
               <a:rPr lang="ru-RU" smtClean="0"/>
-              <a:t>21.01.2022</a:t>
+              <a:t>25.01.2022</a:t>
             </a:fld>
             <a:endParaRPr lang="ru-RU"/>
           </a:p>
@@ -1728,7 +1733,7 @@
           <a:p>
             <a:fld id="{AE29DEF7-9722-4ABE-8BB7-21F028C1177F}" type="datetimeFigureOut">
               <a:rPr lang="ru-RU" smtClean="0"/>
-              <a:t>21.01.2022</a:t>
+              <a:t>25.01.2022</a:t>
             </a:fld>
             <a:endParaRPr lang="ru-RU"/>
           </a:p>
@@ -1823,7 +1828,7 @@
           <a:p>
             <a:fld id="{AE29DEF7-9722-4ABE-8BB7-21F028C1177F}" type="datetimeFigureOut">
               <a:rPr lang="ru-RU" smtClean="0"/>
-              <a:t>21.01.2022</a:t>
+              <a:t>25.01.2022</a:t>
             </a:fld>
             <a:endParaRPr lang="ru-RU"/>
           </a:p>
@@ -2100,7 +2105,7 @@
           <a:p>
             <a:fld id="{AE29DEF7-9722-4ABE-8BB7-21F028C1177F}" type="datetimeFigureOut">
               <a:rPr lang="ru-RU" smtClean="0"/>
-              <a:t>21.01.2022</a:t>
+              <a:t>25.01.2022</a:t>
             </a:fld>
             <a:endParaRPr lang="ru-RU"/>
           </a:p>
@@ -2353,7 +2358,7 @@
           <a:p>
             <a:fld id="{AE29DEF7-9722-4ABE-8BB7-21F028C1177F}" type="datetimeFigureOut">
               <a:rPr lang="ru-RU" smtClean="0"/>
-              <a:t>21.01.2022</a:t>
+              <a:t>25.01.2022</a:t>
             </a:fld>
             <a:endParaRPr lang="ru-RU"/>
           </a:p>
@@ -2566,7 +2571,7 @@
           <a:p>
             <a:fld id="{AE29DEF7-9722-4ABE-8BB7-21F028C1177F}" type="datetimeFigureOut">
               <a:rPr lang="ru-RU" smtClean="0"/>
-              <a:t>21.01.2022</a:t>
+              <a:t>25.01.2022</a:t>
             </a:fld>
             <a:endParaRPr lang="ru-RU"/>
           </a:p>
@@ -3227,8 +3232,17 @@
           <a:p>
             <a:r>
               <a:rPr lang="ru-RU" sz="3200" dirty="0" smtClean="0"/>
-              <a:t>Движение персонажа – стрелки;</a:t>
-            </a:r>
+              <a:t>Движение персонажа – </a:t>
+            </a:r>
+            <a:r>
+              <a:rPr lang="ru-RU" sz="3200" dirty="0" smtClean="0"/>
+              <a:t>стрелки</a:t>
+            </a:r>
+            <a:r>
+              <a:rPr lang="en-US" sz="3200" dirty="0" smtClean="0"/>
+              <a:t>;</a:t>
+            </a:r>
+            <a:endParaRPr lang="ru-RU" sz="3200" dirty="0" smtClean="0"/>
           </a:p>
           <a:p>
             <a:r>
@@ -3287,7 +3301,6 @@
               <a:rPr lang="ru-RU" sz="3200" dirty="0" smtClean="0"/>
               <a:t> любая кнопка мыши</a:t>
             </a:r>
-            <a:endParaRPr lang="ru-RU" sz="3200" dirty="0" smtClean="0"/>
           </a:p>
           <a:p>
             <a:r>
@@ -3302,8 +3315,17 @@
           <a:p>
             <a:r>
               <a:rPr lang="ru-RU" sz="3200" dirty="0" smtClean="0"/>
-              <a:t>Переход от заставки к игре – любая клавиша/кнопка мыши</a:t>
-            </a:r>
+              <a:t>Переход от заставки к игре – любая клавиша/кнопка </a:t>
+            </a:r>
+            <a:r>
+              <a:rPr lang="ru-RU" sz="3200" dirty="0" smtClean="0"/>
+              <a:t>мыши</a:t>
+            </a:r>
+            <a:r>
+              <a:rPr lang="en-US" sz="3200" dirty="0"/>
+              <a:t>;</a:t>
+            </a:r>
+            <a:endParaRPr lang="ru-RU" sz="3200" dirty="0" smtClean="0"/>
           </a:p>
           <a:p>
             <a:r>
@@ -3327,11 +3349,11 @@
   <p:clrMapOvr>
     <a:masterClrMapping/>
   </p:clrMapOvr>
-  <mc:AlternateContent xmlns:mc="http://schemas.openxmlformats.org/markup-compatibility/2006">
-    <mc:Choice xmlns:p14="http://schemas.microsoft.com/office/powerpoint/2010/main" Requires="p14">
+  <mc:AlternateContent xmlns:mc="http://schemas.openxmlformats.org/markup-compatibility/2006" xmlns:p14="http://schemas.microsoft.com/office/powerpoint/2010/main">
+    <mc:Choice Requires="p14">
       <p:transition spd="slow" p14:dur="2000"/>
     </mc:Choice>
-    <mc:Fallback>
+    <mc:Fallback xmlns="">
       <p:transition spd="slow"/>
     </mc:Fallback>
   </mc:AlternateContent>
@@ -3809,12 +3831,12 @@
               <a:t>Пройти дальше он сможет после победы над ними. После прохождения всех пяти уровней или поражения игрок попадает на </a:t>
             </a:r>
             <a:r>
-              <a:rPr lang="ru-RU" sz="3200" dirty="0" err="1" smtClean="0"/>
-              <a:t>начальны</a:t>
-            </a:r>
-            <a:r>
               <a:rPr lang="ru-RU" sz="3200" dirty="0" smtClean="0"/>
-              <a:t> уровень.</a:t>
+              <a:t>начальный </a:t>
+            </a:r>
+            <a:r>
+              <a:rPr lang="ru-RU" sz="3200" dirty="0" smtClean="0"/>
+              <a:t>уровень.</a:t>
             </a:r>
           </a:p>
         </p:txBody>

--- a/Презентация.pptx
+++ b/Презентация.pptx
@@ -250,7 +250,7 @@
           <a:p>
             <a:fld id="{AE29DEF7-9722-4ABE-8BB7-21F028C1177F}" type="datetimeFigureOut">
               <a:rPr lang="ru-RU" smtClean="0"/>
-              <a:t>25.01.2022</a:t>
+              <a:t>30.01.2022</a:t>
             </a:fld>
             <a:endParaRPr lang="ru-RU"/>
           </a:p>
@@ -420,7 +420,7 @@
           <a:p>
             <a:fld id="{AE29DEF7-9722-4ABE-8BB7-21F028C1177F}" type="datetimeFigureOut">
               <a:rPr lang="ru-RU" smtClean="0"/>
-              <a:t>25.01.2022</a:t>
+              <a:t>30.01.2022</a:t>
             </a:fld>
             <a:endParaRPr lang="ru-RU"/>
           </a:p>
@@ -600,7 +600,7 @@
           <a:p>
             <a:fld id="{AE29DEF7-9722-4ABE-8BB7-21F028C1177F}" type="datetimeFigureOut">
               <a:rPr lang="ru-RU" smtClean="0"/>
-              <a:t>25.01.2022</a:t>
+              <a:t>30.01.2022</a:t>
             </a:fld>
             <a:endParaRPr lang="ru-RU"/>
           </a:p>
@@ -770,7 +770,7 @@
           <a:p>
             <a:fld id="{AE29DEF7-9722-4ABE-8BB7-21F028C1177F}" type="datetimeFigureOut">
               <a:rPr lang="ru-RU" smtClean="0"/>
-              <a:t>25.01.2022</a:t>
+              <a:t>30.01.2022</a:t>
             </a:fld>
             <a:endParaRPr lang="ru-RU"/>
           </a:p>
@@ -1016,7 +1016,7 @@
           <a:p>
             <a:fld id="{AE29DEF7-9722-4ABE-8BB7-21F028C1177F}" type="datetimeFigureOut">
               <a:rPr lang="ru-RU" smtClean="0"/>
-              <a:t>25.01.2022</a:t>
+              <a:t>30.01.2022</a:t>
             </a:fld>
             <a:endParaRPr lang="ru-RU"/>
           </a:p>
@@ -1248,7 +1248,7 @@
           <a:p>
             <a:fld id="{AE29DEF7-9722-4ABE-8BB7-21F028C1177F}" type="datetimeFigureOut">
               <a:rPr lang="ru-RU" smtClean="0"/>
-              <a:t>25.01.2022</a:t>
+              <a:t>30.01.2022</a:t>
             </a:fld>
             <a:endParaRPr lang="ru-RU"/>
           </a:p>
@@ -1615,7 +1615,7 @@
           <a:p>
             <a:fld id="{AE29DEF7-9722-4ABE-8BB7-21F028C1177F}" type="datetimeFigureOut">
               <a:rPr lang="ru-RU" smtClean="0"/>
-              <a:t>25.01.2022</a:t>
+              <a:t>30.01.2022</a:t>
             </a:fld>
             <a:endParaRPr lang="ru-RU"/>
           </a:p>
@@ -1733,7 +1733,7 @@
           <a:p>
             <a:fld id="{AE29DEF7-9722-4ABE-8BB7-21F028C1177F}" type="datetimeFigureOut">
               <a:rPr lang="ru-RU" smtClean="0"/>
-              <a:t>25.01.2022</a:t>
+              <a:t>30.01.2022</a:t>
             </a:fld>
             <a:endParaRPr lang="ru-RU"/>
           </a:p>
@@ -1828,7 +1828,7 @@
           <a:p>
             <a:fld id="{AE29DEF7-9722-4ABE-8BB7-21F028C1177F}" type="datetimeFigureOut">
               <a:rPr lang="ru-RU" smtClean="0"/>
-              <a:t>25.01.2022</a:t>
+              <a:t>30.01.2022</a:t>
             </a:fld>
             <a:endParaRPr lang="ru-RU"/>
           </a:p>
@@ -2105,7 +2105,7 @@
           <a:p>
             <a:fld id="{AE29DEF7-9722-4ABE-8BB7-21F028C1177F}" type="datetimeFigureOut">
               <a:rPr lang="ru-RU" smtClean="0"/>
-              <a:t>25.01.2022</a:t>
+              <a:t>30.01.2022</a:t>
             </a:fld>
             <a:endParaRPr lang="ru-RU"/>
           </a:p>
@@ -2358,7 +2358,7 @@
           <a:p>
             <a:fld id="{AE29DEF7-9722-4ABE-8BB7-21F028C1177F}" type="datetimeFigureOut">
               <a:rPr lang="ru-RU" smtClean="0"/>
-              <a:t>25.01.2022</a:t>
+              <a:t>30.01.2022</a:t>
             </a:fld>
             <a:endParaRPr lang="ru-RU"/>
           </a:p>
@@ -2571,7 +2571,7 @@
           <a:p>
             <a:fld id="{AE29DEF7-9722-4ABE-8BB7-21F028C1177F}" type="datetimeFigureOut">
               <a:rPr lang="ru-RU" smtClean="0"/>
-              <a:t>25.01.2022</a:t>
+              <a:t>30.01.2022</a:t>
             </a:fld>
             <a:endParaRPr lang="ru-RU"/>
           </a:p>
@@ -3223,20 +3223,21 @@
             <p:ph idx="1"/>
           </p:nvPr>
         </p:nvSpPr>
-        <p:spPr/>
+        <p:spPr>
+          <a:xfrm>
+            <a:off x="838200" y="1825624"/>
+            <a:ext cx="10515600" cy="4742323"/>
+          </a:xfrm>
+        </p:spPr>
         <p:txBody>
           <a:bodyPr>
-            <a:normAutofit lnSpcReduction="10000"/>
+            <a:normAutofit fontScale="92500" lnSpcReduction="20000"/>
           </a:bodyPr>
           <a:lstStyle/>
           <a:p>
             <a:r>
               <a:rPr lang="ru-RU" sz="3200" dirty="0" smtClean="0"/>
-              <a:t>Движение персонажа – </a:t>
-            </a:r>
-            <a:r>
-              <a:rPr lang="ru-RU" sz="3200" dirty="0" smtClean="0"/>
-              <a:t>стрелки</a:t>
+              <a:t>Движение персонажа – стрелки</a:t>
             </a:r>
             <a:r>
               <a:rPr lang="en-US" sz="3200" dirty="0" smtClean="0"/>
@@ -3315,11 +3316,7 @@
           <a:p>
             <a:r>
               <a:rPr lang="ru-RU" sz="3200" dirty="0" smtClean="0"/>
-              <a:t>Переход от заставки к игре – любая клавиша/кнопка </a:t>
-            </a:r>
-            <a:r>
-              <a:rPr lang="ru-RU" sz="3200" dirty="0" smtClean="0"/>
-              <a:t>мыши</a:t>
+              <a:t>Переход от заставки к игре – любая клавиша/кнопка мыши</a:t>
             </a:r>
             <a:r>
               <a:rPr lang="en-US" sz="3200" dirty="0"/>
@@ -3336,6 +3333,54 @@
               <a:rPr lang="en-US" sz="3200" dirty="0" smtClean="0"/>
               <a:t>Esc</a:t>
             </a:r>
+            <a:endParaRPr lang="ru-RU" sz="3200" dirty="0" smtClean="0"/>
+          </a:p>
+          <a:p>
+            <a:r>
+              <a:rPr lang="ru-RU" sz="3200" dirty="0"/>
+              <a:t>Сброс прогресса – </a:t>
+            </a:r>
+            <a:r>
+              <a:rPr lang="en-US" sz="3200" dirty="0"/>
+              <a:t>Ctrl + Alt + Shift</a:t>
+            </a:r>
+          </a:p>
+          <a:p>
+            <a:r>
+              <a:rPr lang="ru-RU" sz="3200" dirty="0"/>
+              <a:t>Увеличение здоровья до 9999</a:t>
+            </a:r>
+            <a:r>
+              <a:rPr lang="en-US" sz="3200" dirty="0"/>
+              <a:t> (</a:t>
+            </a:r>
+            <a:r>
+              <a:rPr lang="ru-RU" sz="3200" dirty="0"/>
+              <a:t>Для быстрого прохождения игры</a:t>
+            </a:r>
+            <a:r>
+              <a:rPr lang="en-US" sz="3200" dirty="0"/>
+              <a:t>)</a:t>
+            </a:r>
+            <a:r>
+              <a:rPr lang="ru-RU" sz="3200" dirty="0"/>
+              <a:t> – </a:t>
+            </a:r>
+            <a:r>
+              <a:rPr lang="en-US" sz="3200" dirty="0"/>
+              <a:t>Ctrl</a:t>
+            </a:r>
+            <a:r>
+              <a:rPr lang="ru-RU" sz="3200" dirty="0"/>
+              <a:t> +</a:t>
+            </a:r>
+            <a:r>
+              <a:rPr lang="en-US" sz="3200" dirty="0"/>
+              <a:t> Shift + E</a:t>
+            </a:r>
+          </a:p>
+          <a:p>
+            <a:endParaRPr lang="en-US" sz="3200" dirty="0" smtClean="0"/>
           </a:p>
         </p:txBody>
       </p:sp>
@@ -3828,15 +3873,7 @@
             </a:r>
             <a:r>
               <a:rPr lang="ru-RU" sz="3200" dirty="0" smtClean="0"/>
-              <a:t>Пройти дальше он сможет после победы над ними. После прохождения всех пяти уровней или поражения игрок попадает на </a:t>
-            </a:r>
-            <a:r>
-              <a:rPr lang="ru-RU" sz="3200" dirty="0" smtClean="0"/>
-              <a:t>начальный </a:t>
-            </a:r>
-            <a:r>
-              <a:rPr lang="ru-RU" sz="3200" dirty="0" smtClean="0"/>
-              <a:t>уровень.</a:t>
+              <a:t>Пройти дальше он сможет после победы над ними. После прохождения всех пяти уровней или поражения игрок попадает на начальный уровень.</a:t>
             </a:r>
           </a:p>
         </p:txBody>
